--- a/DevelopmentLog/ML_0424.pptx
+++ b/DevelopmentLog/ML_0424.pptx
@@ -240,7 +240,7 @@
           <a:p>
             <a:fld id="{5B76B9C2-8CBA-466A-AF0E-975D77387BB5}" type="datetimeFigureOut">
               <a:rPr lang="zh-TW" altLang="en-US" smtClean="0"/>
-              <a:t>2024/4/23</a:t>
+              <a:t>2024/4/24</a:t>
             </a:fld>
             <a:endParaRPr lang="zh-TW" altLang="en-US"/>
           </a:p>
@@ -727,7 +727,7 @@
           <a:p>
             <a:fld id="{76DB1E62-041B-47B5-8407-B11F18F7E90B}" type="datetimeFigureOut">
               <a:rPr lang="zh-TW" altLang="en-US" smtClean="0"/>
-              <a:t>2024/4/23</a:t>
+              <a:t>2024/4/24</a:t>
             </a:fld>
             <a:endParaRPr lang="zh-TW" altLang="en-US"/>
           </a:p>
@@ -785,13 +785,13 @@
   <p:clrMapOvr>
     <a:masterClrMapping/>
   </p:clrMapOvr>
-  <mc:AlternateContent xmlns:mc="http://schemas.openxmlformats.org/markup-compatibility/2006">
-    <mc:Choice xmlns:p159="http://schemas.microsoft.com/office/powerpoint/2015/09/main" Requires="p159">
+  <mc:AlternateContent xmlns:mc="http://schemas.openxmlformats.org/markup-compatibility/2006" xmlns:p159="http://schemas.microsoft.com/office/powerpoint/2015/09/main">
+    <mc:Choice Requires="p159">
       <p:transition xmlns:p14="http://schemas.microsoft.com/office/powerpoint/2010/main" spd="slow" p14:dur="1500">
         <p159:morph option="byObject"/>
       </p:transition>
     </mc:Choice>
-    <mc:Fallback>
+    <mc:Fallback xmlns="">
       <p:transition spd="slow">
         <p:fade/>
       </p:transition>
@@ -907,7 +907,7 @@
           <a:p>
             <a:fld id="{76DB1E62-041B-47B5-8407-B11F18F7E90B}" type="datetimeFigureOut">
               <a:rPr lang="zh-TW" altLang="en-US" smtClean="0"/>
-              <a:t>2024/4/23</a:t>
+              <a:t>2024/4/24</a:t>
             </a:fld>
             <a:endParaRPr lang="zh-TW" altLang="en-US"/>
           </a:p>
@@ -965,13 +965,13 @@
   <p:clrMapOvr>
     <a:masterClrMapping/>
   </p:clrMapOvr>
-  <mc:AlternateContent xmlns:mc="http://schemas.openxmlformats.org/markup-compatibility/2006">
-    <mc:Choice xmlns:p159="http://schemas.microsoft.com/office/powerpoint/2015/09/main" Requires="p159">
+  <mc:AlternateContent xmlns:mc="http://schemas.openxmlformats.org/markup-compatibility/2006" xmlns:p159="http://schemas.microsoft.com/office/powerpoint/2015/09/main">
+    <mc:Choice Requires="p159">
       <p:transition xmlns:p14="http://schemas.microsoft.com/office/powerpoint/2010/main" spd="slow" p14:dur="1500">
         <p159:morph option="byObject"/>
       </p:transition>
     </mc:Choice>
-    <mc:Fallback>
+    <mc:Fallback xmlns="">
       <p:transition spd="slow">
         <p:fade/>
       </p:transition>
@@ -1097,7 +1097,7 @@
           <a:p>
             <a:fld id="{76DB1E62-041B-47B5-8407-B11F18F7E90B}" type="datetimeFigureOut">
               <a:rPr lang="zh-TW" altLang="en-US" smtClean="0"/>
-              <a:t>2024/4/23</a:t>
+              <a:t>2024/4/24</a:t>
             </a:fld>
             <a:endParaRPr lang="zh-TW" altLang="en-US"/>
           </a:p>
@@ -1155,13 +1155,13 @@
   <p:clrMapOvr>
     <a:masterClrMapping/>
   </p:clrMapOvr>
-  <mc:AlternateContent xmlns:mc="http://schemas.openxmlformats.org/markup-compatibility/2006">
-    <mc:Choice xmlns:p159="http://schemas.microsoft.com/office/powerpoint/2015/09/main" Requires="p159">
+  <mc:AlternateContent xmlns:mc="http://schemas.openxmlformats.org/markup-compatibility/2006" xmlns:p159="http://schemas.microsoft.com/office/powerpoint/2015/09/main">
+    <mc:Choice Requires="p159">
       <p:transition xmlns:p14="http://schemas.microsoft.com/office/powerpoint/2010/main" spd="slow" p14:dur="1500">
         <p159:morph option="byObject"/>
       </p:transition>
     </mc:Choice>
-    <mc:Fallback>
+    <mc:Fallback xmlns="">
       <p:transition spd="slow">
         <p:fade/>
       </p:transition>
@@ -1306,7 +1306,7 @@
           <a:p>
             <a:fld id="{76DB1E62-041B-47B5-8407-B11F18F7E90B}" type="datetimeFigureOut">
               <a:rPr lang="zh-TW" altLang="en-US" smtClean="0"/>
-              <a:t>2024/4/23</a:t>
+              <a:t>2024/4/24</a:t>
             </a:fld>
             <a:endParaRPr lang="zh-TW" altLang="en-US"/>
           </a:p>
@@ -1364,13 +1364,13 @@
   <p:clrMapOvr>
     <a:masterClrMapping/>
   </p:clrMapOvr>
-  <mc:AlternateContent xmlns:mc="http://schemas.openxmlformats.org/markup-compatibility/2006">
-    <mc:Choice xmlns:p159="http://schemas.microsoft.com/office/powerpoint/2015/09/main" Requires="p159">
+  <mc:AlternateContent xmlns:mc="http://schemas.openxmlformats.org/markup-compatibility/2006" xmlns:p159="http://schemas.microsoft.com/office/powerpoint/2015/09/main">
+    <mc:Choice Requires="p159">
       <p:transition xmlns:p14="http://schemas.microsoft.com/office/powerpoint/2010/main" spd="slow" p14:dur="1500">
         <p159:morph option="byObject"/>
       </p:transition>
     </mc:Choice>
-    <mc:Fallback>
+    <mc:Fallback xmlns="">
       <p:transition spd="slow">
         <p:fade/>
       </p:transition>
@@ -1563,7 +1563,7 @@
           <a:p>
             <a:fld id="{76DB1E62-041B-47B5-8407-B11F18F7E90B}" type="datetimeFigureOut">
               <a:rPr lang="zh-TW" altLang="en-US" smtClean="0"/>
-              <a:t>2024/4/23</a:t>
+              <a:t>2024/4/24</a:t>
             </a:fld>
             <a:endParaRPr lang="zh-TW" altLang="en-US"/>
           </a:p>
@@ -1621,13 +1621,13 @@
   <p:clrMapOvr>
     <a:masterClrMapping/>
   </p:clrMapOvr>
-  <mc:AlternateContent xmlns:mc="http://schemas.openxmlformats.org/markup-compatibility/2006">
-    <mc:Choice xmlns:p159="http://schemas.microsoft.com/office/powerpoint/2015/09/main" Requires="p159">
+  <mc:AlternateContent xmlns:mc="http://schemas.openxmlformats.org/markup-compatibility/2006" xmlns:p159="http://schemas.microsoft.com/office/powerpoint/2015/09/main">
+    <mc:Choice Requires="p159">
       <p:transition xmlns:p14="http://schemas.microsoft.com/office/powerpoint/2010/main" spd="slow" p14:dur="1500">
         <p159:morph option="byObject"/>
       </p:transition>
     </mc:Choice>
-    <mc:Fallback>
+    <mc:Fallback xmlns="">
       <p:transition spd="slow">
         <p:fade/>
       </p:transition>
@@ -1804,7 +1804,7 @@
           <a:p>
             <a:fld id="{76DB1E62-041B-47B5-8407-B11F18F7E90B}" type="datetimeFigureOut">
               <a:rPr lang="zh-TW" altLang="en-US" smtClean="0"/>
-              <a:t>2024/4/23</a:t>
+              <a:t>2024/4/24</a:t>
             </a:fld>
             <a:endParaRPr lang="zh-TW" altLang="en-US"/>
           </a:p>
@@ -1862,13 +1862,13 @@
   <p:clrMapOvr>
     <a:masterClrMapping/>
   </p:clrMapOvr>
-  <mc:AlternateContent xmlns:mc="http://schemas.openxmlformats.org/markup-compatibility/2006">
-    <mc:Choice xmlns:p159="http://schemas.microsoft.com/office/powerpoint/2015/09/main" Requires="p159">
+  <mc:AlternateContent xmlns:mc="http://schemas.openxmlformats.org/markup-compatibility/2006" xmlns:p159="http://schemas.microsoft.com/office/powerpoint/2015/09/main">
+    <mc:Choice Requires="p159">
       <p:transition xmlns:p14="http://schemas.microsoft.com/office/powerpoint/2010/main" spd="slow" p14:dur="1500">
         <p159:morph option="byObject"/>
       </p:transition>
     </mc:Choice>
-    <mc:Fallback>
+    <mc:Fallback xmlns="">
       <p:transition spd="slow">
         <p:fade/>
       </p:transition>
@@ -2180,7 +2180,7 @@
           <a:p>
             <a:fld id="{76DB1E62-041B-47B5-8407-B11F18F7E90B}" type="datetimeFigureOut">
               <a:rPr lang="zh-TW" altLang="en-US" smtClean="0"/>
-              <a:t>2024/4/23</a:t>
+              <a:t>2024/4/24</a:t>
             </a:fld>
             <a:endParaRPr lang="zh-TW" altLang="en-US"/>
           </a:p>
@@ -2238,13 +2238,13 @@
   <p:clrMapOvr>
     <a:masterClrMapping/>
   </p:clrMapOvr>
-  <mc:AlternateContent xmlns:mc="http://schemas.openxmlformats.org/markup-compatibility/2006">
-    <mc:Choice xmlns:p159="http://schemas.microsoft.com/office/powerpoint/2015/09/main" Requires="p159">
+  <mc:AlternateContent xmlns:mc="http://schemas.openxmlformats.org/markup-compatibility/2006" xmlns:p159="http://schemas.microsoft.com/office/powerpoint/2015/09/main">
+    <mc:Choice Requires="p159">
       <p:transition xmlns:p14="http://schemas.microsoft.com/office/powerpoint/2010/main" spd="slow" p14:dur="1500">
         <p159:morph option="byObject"/>
       </p:transition>
     </mc:Choice>
-    <mc:Fallback>
+    <mc:Fallback xmlns="">
       <p:transition spd="slow">
         <p:fade/>
       </p:transition>
@@ -2309,7 +2309,7 @@
           <a:p>
             <a:fld id="{76DB1E62-041B-47B5-8407-B11F18F7E90B}" type="datetimeFigureOut">
               <a:rPr lang="zh-TW" altLang="en-US" smtClean="0"/>
-              <a:t>2024/4/23</a:t>
+              <a:t>2024/4/24</a:t>
             </a:fld>
             <a:endParaRPr lang="zh-TW" altLang="en-US"/>
           </a:p>
@@ -2367,13 +2367,13 @@
   <p:clrMapOvr>
     <a:masterClrMapping/>
   </p:clrMapOvr>
-  <mc:AlternateContent xmlns:mc="http://schemas.openxmlformats.org/markup-compatibility/2006">
-    <mc:Choice xmlns:p159="http://schemas.microsoft.com/office/powerpoint/2015/09/main" Requires="p159">
+  <mc:AlternateContent xmlns:mc="http://schemas.openxmlformats.org/markup-compatibility/2006" xmlns:p159="http://schemas.microsoft.com/office/powerpoint/2015/09/main">
+    <mc:Choice Requires="p159">
       <p:transition xmlns:p14="http://schemas.microsoft.com/office/powerpoint/2010/main" spd="slow" p14:dur="1500">
         <p159:morph option="byObject"/>
       </p:transition>
     </mc:Choice>
-    <mc:Fallback>
+    <mc:Fallback xmlns="">
       <p:transition spd="slow">
         <p:fade/>
       </p:transition>
@@ -2416,7 +2416,7 @@
           <a:p>
             <a:fld id="{76DB1E62-041B-47B5-8407-B11F18F7E90B}" type="datetimeFigureOut">
               <a:rPr lang="zh-TW" altLang="en-US" smtClean="0"/>
-              <a:t>2024/4/23</a:t>
+              <a:t>2024/4/24</a:t>
             </a:fld>
             <a:endParaRPr lang="zh-TW" altLang="en-US"/>
           </a:p>
@@ -2474,13 +2474,13 @@
   <p:clrMapOvr>
     <a:masterClrMapping/>
   </p:clrMapOvr>
-  <mc:AlternateContent xmlns:mc="http://schemas.openxmlformats.org/markup-compatibility/2006">
-    <mc:Choice xmlns:p159="http://schemas.microsoft.com/office/powerpoint/2015/09/main" Requires="p159">
+  <mc:AlternateContent xmlns:mc="http://schemas.openxmlformats.org/markup-compatibility/2006" xmlns:p159="http://schemas.microsoft.com/office/powerpoint/2015/09/main">
+    <mc:Choice Requires="p159">
       <p:transition xmlns:p14="http://schemas.microsoft.com/office/powerpoint/2010/main" spd="slow" p14:dur="1500">
         <p159:morph option="byObject"/>
       </p:transition>
     </mc:Choice>
-    <mc:Fallback>
+    <mc:Fallback xmlns="">
       <p:transition spd="slow">
         <p:fade/>
       </p:transition>
@@ -2703,7 +2703,7 @@
           <a:p>
             <a:fld id="{76DB1E62-041B-47B5-8407-B11F18F7E90B}" type="datetimeFigureOut">
               <a:rPr lang="zh-TW" altLang="en-US" smtClean="0"/>
-              <a:t>2024/4/23</a:t>
+              <a:t>2024/4/24</a:t>
             </a:fld>
             <a:endParaRPr lang="zh-TW" altLang="en-US"/>
           </a:p>
@@ -2761,13 +2761,13 @@
   <p:clrMapOvr>
     <a:masterClrMapping/>
   </p:clrMapOvr>
-  <mc:AlternateContent xmlns:mc="http://schemas.openxmlformats.org/markup-compatibility/2006">
-    <mc:Choice xmlns:p159="http://schemas.microsoft.com/office/powerpoint/2015/09/main" Requires="p159">
+  <mc:AlternateContent xmlns:mc="http://schemas.openxmlformats.org/markup-compatibility/2006" xmlns:p159="http://schemas.microsoft.com/office/powerpoint/2015/09/main">
+    <mc:Choice Requires="p159">
       <p:transition xmlns:p14="http://schemas.microsoft.com/office/powerpoint/2010/main" spd="slow" p14:dur="1500">
         <p159:morph option="byObject"/>
       </p:transition>
     </mc:Choice>
-    <mc:Fallback>
+    <mc:Fallback xmlns="">
       <p:transition spd="slow">
         <p:fade/>
       </p:transition>
@@ -2970,7 +2970,7 @@
           <a:p>
             <a:fld id="{76DB1E62-041B-47B5-8407-B11F18F7E90B}" type="datetimeFigureOut">
               <a:rPr lang="zh-TW" altLang="en-US" smtClean="0"/>
-              <a:t>2024/4/23</a:t>
+              <a:t>2024/4/24</a:t>
             </a:fld>
             <a:endParaRPr lang="zh-TW" altLang="en-US"/>
           </a:p>
@@ -3028,13 +3028,13 @@
   <p:clrMapOvr>
     <a:masterClrMapping/>
   </p:clrMapOvr>
-  <mc:AlternateContent xmlns:mc="http://schemas.openxmlformats.org/markup-compatibility/2006">
-    <mc:Choice xmlns:p159="http://schemas.microsoft.com/office/powerpoint/2015/09/main" Requires="p159">
+  <mc:AlternateContent xmlns:mc="http://schemas.openxmlformats.org/markup-compatibility/2006" xmlns:p159="http://schemas.microsoft.com/office/powerpoint/2015/09/main">
+    <mc:Choice Requires="p159">
       <p:transition xmlns:p14="http://schemas.microsoft.com/office/powerpoint/2010/main" spd="slow" p14:dur="1500">
         <p159:morph option="byObject"/>
       </p:transition>
     </mc:Choice>
-    <mc:Fallback>
+    <mc:Fallback xmlns="">
       <p:transition spd="slow">
         <p:fade/>
       </p:transition>
@@ -3195,7 +3195,7 @@
           <a:p>
             <a:fld id="{76DB1E62-041B-47B5-8407-B11F18F7E90B}" type="datetimeFigureOut">
               <a:rPr lang="zh-TW" altLang="en-US" smtClean="0"/>
-              <a:t>2024/4/23</a:t>
+              <a:t>2024/4/24</a:t>
             </a:fld>
             <a:endParaRPr lang="zh-TW" altLang="en-US"/>
           </a:p>
@@ -3374,13 +3374,13 @@
     <p:sldLayoutId id="2147483670" r:id="rId10"/>
     <p:sldLayoutId id="2147483671" r:id="rId11"/>
   </p:sldLayoutIdLst>
-  <mc:AlternateContent xmlns:mc="http://schemas.openxmlformats.org/markup-compatibility/2006">
-    <mc:Choice xmlns:p159="http://schemas.microsoft.com/office/powerpoint/2015/09/main" Requires="p159">
+  <mc:AlternateContent xmlns:mc="http://schemas.openxmlformats.org/markup-compatibility/2006" xmlns:p159="http://schemas.microsoft.com/office/powerpoint/2015/09/main">
+    <mc:Choice Requires="p159">
       <p:transition xmlns:p14="http://schemas.microsoft.com/office/powerpoint/2010/main" spd="slow" p14:dur="1500">
         <p159:morph option="byObject"/>
       </p:transition>
     </mc:Choice>
-    <mc:Fallback>
+    <mc:Fallback xmlns="">
       <p:transition spd="slow">
         <p:fade/>
       </p:transition>
@@ -3875,13 +3875,13 @@
   <p:clrMapOvr>
     <a:masterClrMapping/>
   </p:clrMapOvr>
-  <mc:AlternateContent xmlns:mc="http://schemas.openxmlformats.org/markup-compatibility/2006">
-    <mc:Choice xmlns:p159="http://schemas.microsoft.com/office/powerpoint/2015/09/main" Requires="p159">
+  <mc:AlternateContent xmlns:mc="http://schemas.openxmlformats.org/markup-compatibility/2006" xmlns:p159="http://schemas.microsoft.com/office/powerpoint/2015/09/main">
+    <mc:Choice Requires="p159">
       <p:transition xmlns:p14="http://schemas.microsoft.com/office/powerpoint/2010/main" spd="slow" p14:dur="1500">
         <p159:morph option="byObject"/>
       </p:transition>
     </mc:Choice>
-    <mc:Fallback>
+    <mc:Fallback xmlns="">
       <p:transition spd="slow">
         <p:fade/>
       </p:transition>
@@ -4023,13 +4023,13 @@
   <p:clrMapOvr>
     <a:masterClrMapping/>
   </p:clrMapOvr>
-  <mc:AlternateContent xmlns:mc="http://schemas.openxmlformats.org/markup-compatibility/2006">
-    <mc:Choice xmlns:p159="http://schemas.microsoft.com/office/powerpoint/2015/09/main" Requires="p159">
+  <mc:AlternateContent xmlns:mc="http://schemas.openxmlformats.org/markup-compatibility/2006" xmlns:p159="http://schemas.microsoft.com/office/powerpoint/2015/09/main">
+    <mc:Choice Requires="p159">
       <p:transition xmlns:p14="http://schemas.microsoft.com/office/powerpoint/2010/main" spd="slow" p14:dur="1500">
         <p159:morph option="byObject"/>
       </p:transition>
     </mc:Choice>
-    <mc:Fallback>
+    <mc:Fallback xmlns="">
       <p:transition spd="slow">
         <p:fade/>
       </p:transition>
@@ -4171,13 +4171,13 @@
   <p:clrMapOvr>
     <a:masterClrMapping/>
   </p:clrMapOvr>
-  <mc:AlternateContent xmlns:mc="http://schemas.openxmlformats.org/markup-compatibility/2006">
-    <mc:Choice xmlns:p159="http://schemas.microsoft.com/office/powerpoint/2015/09/main" Requires="p159">
+  <mc:AlternateContent xmlns:mc="http://schemas.openxmlformats.org/markup-compatibility/2006" xmlns:p159="http://schemas.microsoft.com/office/powerpoint/2015/09/main">
+    <mc:Choice Requires="p159">
       <p:transition xmlns:p14="http://schemas.microsoft.com/office/powerpoint/2010/main" spd="slow" p14:dur="1500">
         <p159:morph option="byObject"/>
       </p:transition>
     </mc:Choice>
-    <mc:Fallback>
+    <mc:Fallback xmlns="">
       <p:transition spd="slow">
         <p:fade/>
       </p:transition>
@@ -4295,13 +4295,13 @@
   <p:clrMapOvr>
     <a:masterClrMapping/>
   </p:clrMapOvr>
-  <mc:AlternateContent xmlns:mc="http://schemas.openxmlformats.org/markup-compatibility/2006">
-    <mc:Choice xmlns:p159="http://schemas.microsoft.com/office/powerpoint/2015/09/main" Requires="p159">
+  <mc:AlternateContent xmlns:mc="http://schemas.openxmlformats.org/markup-compatibility/2006" xmlns:p159="http://schemas.microsoft.com/office/powerpoint/2015/09/main">
+    <mc:Choice Requires="p159">
       <p:transition xmlns:p14="http://schemas.microsoft.com/office/powerpoint/2010/main" spd="slow" p14:dur="1500">
         <p159:morph option="byObject"/>
       </p:transition>
     </mc:Choice>
-    <mc:Fallback>
+    <mc:Fallback xmlns="">
       <p:transition spd="slow">
         <p:fade/>
       </p:transition>
@@ -4791,13 +4791,13 @@
   <p:clrMapOvr>
     <a:masterClrMapping/>
   </p:clrMapOvr>
-  <mc:AlternateContent xmlns:mc="http://schemas.openxmlformats.org/markup-compatibility/2006">
-    <mc:Choice xmlns:p159="http://schemas.microsoft.com/office/powerpoint/2015/09/main" Requires="p159">
+  <mc:AlternateContent xmlns:mc="http://schemas.openxmlformats.org/markup-compatibility/2006" xmlns:p159="http://schemas.microsoft.com/office/powerpoint/2015/09/main">
+    <mc:Choice Requires="p159">
       <p:transition xmlns:p14="http://schemas.microsoft.com/office/powerpoint/2010/main" spd="slow" p14:dur="1500">
         <p159:morph option="byObject"/>
       </p:transition>
     </mc:Choice>
-    <mc:Fallback>
+    <mc:Fallback xmlns="">
       <p:transition spd="slow">
         <p:fade/>
       </p:transition>
@@ -4895,7 +4895,7 @@
         <p:spPr>
           <a:xfrm>
             <a:off x="838200" y="1085125"/>
-            <a:ext cx="10515600" cy="2490425"/>
+            <a:ext cx="10515600" cy="3413755"/>
           </a:xfrm>
           <a:prstGeom prst="rect">
             <a:avLst/>
@@ -5034,6 +5034,93 @@
                 <a:ea typeface="標楷體" panose="03000509000000000000" pitchFamily="65" charset="-120"/>
               </a:rPr>
               <a:t>樣本收集</a:t>
+            </a:r>
+            <a:r>
+              <a:rPr lang="zh-TW" altLang="en-US" sz="2000" dirty="0">
+                <a:solidFill>
+                  <a:srgbClr val="202122"/>
+                </a:solidFill>
+                <a:latin typeface="標楷體" panose="03000509000000000000" pitchFamily="65" charset="-120"/>
+                <a:ea typeface="標楷體" panose="03000509000000000000" pitchFamily="65" charset="-120"/>
+              </a:rPr>
+              <a:t> </a:t>
+            </a:r>
+            <a:r>
+              <a:rPr lang="en-US" altLang="zh-TW" sz="2000" dirty="0">
+                <a:solidFill>
+                  <a:srgbClr val="202122"/>
+                </a:solidFill>
+                <a:latin typeface="標楷體" panose="03000509000000000000" pitchFamily="65" charset="-120"/>
+                <a:ea typeface="標楷體" panose="03000509000000000000" pitchFamily="65" charset="-120"/>
+              </a:rPr>
+              <a:t>:</a:t>
+            </a:r>
+          </a:p>
+          <a:p>
+            <a:pPr lvl="3">
+              <a:lnSpc>
+                <a:spcPct val="150000"/>
+              </a:lnSpc>
+            </a:pPr>
+            <a:r>
+              <a:rPr lang="zh-TW" altLang="en-US" sz="2000" dirty="0">
+                <a:solidFill>
+                  <a:srgbClr val="202122"/>
+                </a:solidFill>
+                <a:latin typeface="標楷體" panose="03000509000000000000" pitchFamily="65" charset="-120"/>
+                <a:ea typeface="標楷體" panose="03000509000000000000" pitchFamily="65" charset="-120"/>
+              </a:rPr>
+              <a:t>透過玩家遊玩，收集遊戲特徵</a:t>
+            </a:r>
+            <a:r>
+              <a:rPr lang="en-US" altLang="zh-TW" sz="2000" dirty="0">
+                <a:solidFill>
+                  <a:srgbClr val="202122"/>
+                </a:solidFill>
+                <a:latin typeface="標楷體" panose="03000509000000000000" pitchFamily="65" charset="-120"/>
+                <a:ea typeface="標楷體" panose="03000509000000000000" pitchFamily="65" charset="-120"/>
+              </a:rPr>
+              <a:t>(</a:t>
+            </a:r>
+            <a:r>
+              <a:rPr lang="zh-TW" altLang="en-US" sz="2000" dirty="0">
+                <a:solidFill>
+                  <a:srgbClr val="202122"/>
+                </a:solidFill>
+                <a:latin typeface="標楷體" panose="03000509000000000000" pitchFamily="65" charset="-120"/>
+                <a:ea typeface="標楷體" panose="03000509000000000000" pitchFamily="65" charset="-120"/>
+              </a:rPr>
+              <a:t>球位置、板子位置</a:t>
+            </a:r>
+            <a:r>
+              <a:rPr lang="en-US" altLang="zh-TW" sz="2000" dirty="0">
+                <a:solidFill>
+                  <a:srgbClr val="202122"/>
+                </a:solidFill>
+                <a:latin typeface="標楷體" panose="03000509000000000000" pitchFamily="65" charset="-120"/>
+                <a:ea typeface="標楷體" panose="03000509000000000000" pitchFamily="65" charset="-120"/>
+              </a:rPr>
+              <a:t>)</a:t>
+            </a:r>
+            <a:r>
+              <a:rPr lang="zh-TW" altLang="en-US" sz="2000" dirty="0">
+                <a:solidFill>
+                  <a:srgbClr val="202122"/>
+                </a:solidFill>
+                <a:latin typeface="標楷體" panose="03000509000000000000" pitchFamily="65" charset="-120"/>
+                <a:ea typeface="標楷體" panose="03000509000000000000" pitchFamily="65" charset="-120"/>
+              </a:rPr>
+              <a:t>更新</a:t>
+            </a:r>
+            <a:r>
+              <a:rPr lang="en-US" altLang="zh-TW" sz="2000" dirty="0">
+                <a:solidFill>
+                  <a:srgbClr val="202122"/>
+                </a:solidFill>
+                <a:latin typeface="標楷體" panose="03000509000000000000" pitchFamily="65" charset="-120"/>
+                <a:ea typeface="標楷體" panose="03000509000000000000" pitchFamily="65" charset="-120"/>
+              </a:rPr>
+              <a:t>Q-Table</a:t>
             </a:r>
             <a:endParaRPr lang="en-US" altLang="zh-TW" sz="2000" i="0" dirty="0">
               <a:solidFill>
@@ -5060,7 +5147,71 @@
                 <a:latin typeface="標楷體" panose="03000509000000000000" pitchFamily="65" charset="-120"/>
                 <a:ea typeface="標楷體" panose="03000509000000000000" pitchFamily="65" charset="-120"/>
               </a:rPr>
-              <a:t>預測</a:t>
+              <a:t>預測 </a:t>
+            </a:r>
+            <a:r>
+              <a:rPr lang="en-US" altLang="zh-TW" sz="2000" dirty="0">
+                <a:solidFill>
+                  <a:srgbClr val="202122"/>
+                </a:solidFill>
+                <a:latin typeface="標楷體" panose="03000509000000000000" pitchFamily="65" charset="-120"/>
+                <a:ea typeface="標楷體" panose="03000509000000000000" pitchFamily="65" charset="-120"/>
+              </a:rPr>
+              <a:t>:</a:t>
+            </a:r>
+            <a:r>
+              <a:rPr lang="zh-TW" altLang="en-US" sz="2000" dirty="0">
+                <a:solidFill>
+                  <a:srgbClr val="202122"/>
+                </a:solidFill>
+                <a:latin typeface="標楷體" panose="03000509000000000000" pitchFamily="65" charset="-120"/>
+                <a:ea typeface="標楷體" panose="03000509000000000000" pitchFamily="65" charset="-120"/>
+              </a:rPr>
+              <a:t> </a:t>
+            </a:r>
+            <a:endParaRPr lang="en-US" altLang="zh-TW" sz="2000" dirty="0">
+              <a:solidFill>
+                <a:srgbClr val="202122"/>
+              </a:solidFill>
+              <a:latin typeface="標楷體" panose="03000509000000000000" pitchFamily="65" charset="-120"/>
+              <a:ea typeface="標楷體" panose="03000509000000000000" pitchFamily="65" charset="-120"/>
+            </a:endParaRPr>
+          </a:p>
+          <a:p>
+            <a:pPr lvl="3">
+              <a:lnSpc>
+                <a:spcPct val="150000"/>
+              </a:lnSpc>
+            </a:pPr>
+            <a:r>
+              <a:rPr lang="zh-TW" altLang="en-US" sz="2000" dirty="0">
+                <a:solidFill>
+                  <a:srgbClr val="202122"/>
+                </a:solidFill>
+                <a:latin typeface="標楷體" panose="03000509000000000000" pitchFamily="65" charset="-120"/>
+                <a:ea typeface="標楷體" panose="03000509000000000000" pitchFamily="65" charset="-120"/>
+              </a:rPr>
+              <a:t>利用</a:t>
+            </a:r>
+            <a:r>
+              <a:rPr lang="en-US" altLang="zh-TW" sz="2000" dirty="0">
+                <a:solidFill>
+                  <a:srgbClr val="202122"/>
+                </a:solidFill>
+                <a:latin typeface="標楷體" panose="03000509000000000000" pitchFamily="65" charset="-120"/>
+                <a:ea typeface="標楷體" panose="03000509000000000000" pitchFamily="65" charset="-120"/>
+              </a:rPr>
+              <a:t>Q-Table</a:t>
+            </a:r>
+            <a:r>
+              <a:rPr lang="zh-TW" altLang="en-US" sz="2000">
+                <a:solidFill>
+                  <a:srgbClr val="202122"/>
+                </a:solidFill>
+                <a:latin typeface="標楷體" panose="03000509000000000000" pitchFamily="65" charset="-120"/>
+                <a:ea typeface="標楷體" panose="03000509000000000000" pitchFamily="65" charset="-120"/>
+              </a:rPr>
+              <a:t>，根據不同特徵進行預測</a:t>
             </a:r>
             <a:endParaRPr lang="en-US" altLang="zh-TW" sz="2000" i="0" dirty="0">
               <a:solidFill>
@@ -5105,13 +5256,13 @@
   <p:clrMapOvr>
     <a:masterClrMapping/>
   </p:clrMapOvr>
-  <mc:AlternateContent xmlns:mc="http://schemas.openxmlformats.org/markup-compatibility/2006">
-    <mc:Choice xmlns:p159="http://schemas.microsoft.com/office/powerpoint/2015/09/main" Requires="p159">
+  <mc:AlternateContent xmlns:mc="http://schemas.openxmlformats.org/markup-compatibility/2006" xmlns:p159="http://schemas.microsoft.com/office/powerpoint/2015/09/main">
+    <mc:Choice Requires="p159">
       <p:transition xmlns:p14="http://schemas.microsoft.com/office/powerpoint/2010/main" spd="slow" p14:dur="1500">
         <p159:morph option="byObject"/>
       </p:transition>
     </mc:Choice>
-    <mc:Fallback>
+    <mc:Fallback xmlns="">
       <p:transition spd="slow">
         <p:fade/>
       </p:transition>
@@ -5338,13 +5489,13 @@
   <p:clrMapOvr>
     <a:masterClrMapping/>
   </p:clrMapOvr>
-  <mc:AlternateContent xmlns:mc="http://schemas.openxmlformats.org/markup-compatibility/2006">
-    <mc:Choice xmlns:p159="http://schemas.microsoft.com/office/powerpoint/2015/09/main" Requires="p159">
+  <mc:AlternateContent xmlns:mc="http://schemas.openxmlformats.org/markup-compatibility/2006" xmlns:p159="http://schemas.microsoft.com/office/powerpoint/2015/09/main">
+    <mc:Choice Requires="p159">
       <p:transition xmlns:p14="http://schemas.microsoft.com/office/powerpoint/2010/main" spd="slow" p14:dur="1500">
         <p159:morph option="byObject"/>
       </p:transition>
     </mc:Choice>
-    <mc:Fallback>
+    <mc:Fallback xmlns="">
       <p:transition spd="slow">
         <p:fade/>
       </p:transition>
@@ -5497,13 +5648,13 @@
   <p:clrMapOvr>
     <a:masterClrMapping/>
   </p:clrMapOvr>
-  <mc:AlternateContent xmlns:mc="http://schemas.openxmlformats.org/markup-compatibility/2006">
-    <mc:Choice xmlns:p159="http://schemas.microsoft.com/office/powerpoint/2015/09/main" Requires="p159">
+  <mc:AlternateContent xmlns:mc="http://schemas.openxmlformats.org/markup-compatibility/2006" xmlns:p159="http://schemas.microsoft.com/office/powerpoint/2015/09/main">
+    <mc:Choice Requires="p159">
       <p:transition xmlns:p14="http://schemas.microsoft.com/office/powerpoint/2010/main" spd="slow" p14:dur="1500">
         <p159:morph option="byObject"/>
       </p:transition>
     </mc:Choice>
-    <mc:Fallback>
+    <mc:Fallback xmlns="">
       <p:transition spd="slow">
         <p:fade/>
       </p:transition>
@@ -5864,13 +6015,13 @@
   <p:clrMapOvr>
     <a:masterClrMapping/>
   </p:clrMapOvr>
-  <mc:AlternateContent xmlns:mc="http://schemas.openxmlformats.org/markup-compatibility/2006">
-    <mc:Choice xmlns:p159="http://schemas.microsoft.com/office/powerpoint/2015/09/main" Requires="p159">
+  <mc:AlternateContent xmlns:mc="http://schemas.openxmlformats.org/markup-compatibility/2006" xmlns:p159="http://schemas.microsoft.com/office/powerpoint/2015/09/main">
+    <mc:Choice Requires="p159">
       <p:transition xmlns:p14="http://schemas.microsoft.com/office/powerpoint/2010/main" spd="slow" p14:dur="1500">
         <p159:morph option="byObject"/>
       </p:transition>
     </mc:Choice>
-    <mc:Fallback>
+    <mc:Fallback xmlns="">
       <p:transition spd="slow">
         <p:fade/>
       </p:transition>
@@ -6023,13 +6174,13 @@
   <p:clrMapOvr>
     <a:masterClrMapping/>
   </p:clrMapOvr>
-  <mc:AlternateContent xmlns:mc="http://schemas.openxmlformats.org/markup-compatibility/2006">
-    <mc:Choice xmlns:p159="http://schemas.microsoft.com/office/powerpoint/2015/09/main" Requires="p159">
+  <mc:AlternateContent xmlns:mc="http://schemas.openxmlformats.org/markup-compatibility/2006" xmlns:p159="http://schemas.microsoft.com/office/powerpoint/2015/09/main">
+    <mc:Choice Requires="p159">
       <p:transition xmlns:p14="http://schemas.microsoft.com/office/powerpoint/2010/main" spd="slow" p14:dur="1500">
         <p159:morph option="byObject"/>
       </p:transition>
     </mc:Choice>
-    <mc:Fallback>
+    <mc:Fallback xmlns="">
       <p:transition spd="slow">
         <p:fade/>
       </p:transition>
@@ -6171,13 +6322,13 @@
   <p:clrMapOvr>
     <a:masterClrMapping/>
   </p:clrMapOvr>
-  <mc:AlternateContent xmlns:mc="http://schemas.openxmlformats.org/markup-compatibility/2006">
-    <mc:Choice xmlns:p159="http://schemas.microsoft.com/office/powerpoint/2015/09/main" Requires="p159">
+  <mc:AlternateContent xmlns:mc="http://schemas.openxmlformats.org/markup-compatibility/2006" xmlns:p159="http://schemas.microsoft.com/office/powerpoint/2015/09/main">
+    <mc:Choice Requires="p159">
       <p:transition xmlns:p14="http://schemas.microsoft.com/office/powerpoint/2010/main" spd="slow" p14:dur="1500">
         <p159:morph option="byObject"/>
       </p:transition>
     </mc:Choice>
-    <mc:Fallback>
+    <mc:Fallback xmlns="">
       <p:transition spd="slow">
         <p:fade/>
       </p:transition>
@@ -6371,13 +6522,13 @@
   <p:clrMapOvr>
     <a:masterClrMapping/>
   </p:clrMapOvr>
-  <mc:AlternateContent xmlns:mc="http://schemas.openxmlformats.org/markup-compatibility/2006">
-    <mc:Choice xmlns:p159="http://schemas.microsoft.com/office/powerpoint/2015/09/main" Requires="p159">
+  <mc:AlternateContent xmlns:mc="http://schemas.openxmlformats.org/markup-compatibility/2006" xmlns:p159="http://schemas.microsoft.com/office/powerpoint/2015/09/main">
+    <mc:Choice Requires="p159">
       <p:transition xmlns:p14="http://schemas.microsoft.com/office/powerpoint/2010/main" spd="slow" p14:dur="1500">
         <p159:morph option="byObject"/>
       </p:transition>
     </mc:Choice>
-    <mc:Fallback>
+    <mc:Fallback xmlns="">
       <p:transition spd="slow">
         <p:fade/>
       </p:transition>

--- a/DevelopmentLog/ML_0424.pptx
+++ b/DevelopmentLog/ML_0424.pptx
@@ -4716,20 +4716,12 @@
               <a:t> 球體</a:t>
             </a:r>
             <a:r>
-              <a:rPr lang="en-US" altLang="zh-TW" dirty="0">
-                <a:latin typeface="Times New Roman" panose="02020603050405020304" pitchFamily="18" charset="0"/>
-                <a:ea typeface="標楷體" panose="03000509000000000000" pitchFamily="65" charset="-120"/>
-                <a:cs typeface="Times New Roman" panose="02020603050405020304" pitchFamily="18" charset="0"/>
-              </a:rPr>
-              <a:t>x</a:t>
-            </a:r>
-            <a:r>
               <a:rPr lang="zh-TW" altLang="en-US" dirty="0">
                 <a:latin typeface="Times New Roman" panose="02020603050405020304" pitchFamily="18" charset="0"/>
                 <a:ea typeface="標楷體" panose="03000509000000000000" pitchFamily="65" charset="-120"/>
                 <a:cs typeface="Times New Roman" panose="02020603050405020304" pitchFamily="18" charset="0"/>
               </a:rPr>
-              <a:t>方向速度因板子移動方向而改變</a:t>
+              <a:t>速度會因板子移動方向而改變</a:t>
             </a:r>
             <a:endParaRPr lang="en-US" altLang="zh-TW" dirty="0">
               <a:latin typeface="Times New Roman" panose="02020603050405020304" pitchFamily="18" charset="0"/>
@@ -5198,13 +5190,14 @@
                 <a:solidFill>
                   <a:srgbClr val="202122"/>
                 </a:solidFill>
-                <a:latin typeface="標楷體" panose="03000509000000000000" pitchFamily="65" charset="-120"/>
-                <a:ea typeface="標楷體" panose="03000509000000000000" pitchFamily="65" charset="-120"/>
+                <a:latin typeface="Times New Roman" panose="02020603050405020304" pitchFamily="18" charset="0"/>
+                <a:ea typeface="標楷體" panose="03000509000000000000" pitchFamily="65" charset="-120"/>
+                <a:cs typeface="Times New Roman" panose="02020603050405020304" pitchFamily="18" charset="0"/>
               </a:rPr>
               <a:t>Q-Table</a:t>
             </a:r>
             <a:r>
-              <a:rPr lang="zh-TW" altLang="en-US" sz="2000">
+              <a:rPr lang="zh-TW" altLang="en-US" sz="2000" dirty="0">
                 <a:solidFill>
                   <a:srgbClr val="202122"/>
                 </a:solidFill>
@@ -5360,7 +5353,7 @@
         <p:spPr>
           <a:xfrm>
             <a:off x="838200" y="1085125"/>
-            <a:ext cx="10515600" cy="1135375"/>
+            <a:ext cx="10515600" cy="1595630"/>
           </a:xfrm>
           <a:prstGeom prst="rect">
             <a:avLst/>
@@ -5421,15 +5414,15 @@
             </a:endParaRPr>
           </a:p>
           <a:p>
-            <a:pPr marL="800100" lvl="1" indent="-342900">
+            <a:pPr marL="914400" lvl="1" indent="-457200">
               <a:lnSpc>
                 <a:spcPct val="150000"/>
               </a:lnSpc>
-              <a:buFont typeface="Arial" panose="020B0604020202020204" pitchFamily="34" charset="0"/>
-              <a:buChar char="•"/>
+              <a:buFont typeface="+mj-lt"/>
+              <a:buAutoNum type="arabicPeriod"/>
             </a:pPr>
             <a:r>
-              <a:rPr lang="zh-TW" altLang="en-US" sz="2400" dirty="0">
+              <a:rPr lang="zh-TW" altLang="en-US" sz="2000" dirty="0">
                 <a:solidFill>
                   <a:srgbClr val="202122"/>
                 </a:solidFill>
@@ -5439,42 +5432,76 @@
               <a:t>可以透過</a:t>
             </a:r>
             <a:r>
-              <a:rPr lang="en-US" altLang="zh-TW" sz="2400" dirty="0">
+              <a:rPr lang="en-US" altLang="zh-TW" sz="2000" dirty="0">
                 <a:solidFill>
                   <a:srgbClr val="202122"/>
                 </a:solidFill>
+                <a:latin typeface="Times New Roman" panose="02020603050405020304" pitchFamily="18" charset="0"/>
+                <a:ea typeface="標楷體" panose="03000509000000000000" pitchFamily="65" charset="-120"/>
+                <a:cs typeface="Times New Roman" panose="02020603050405020304" pitchFamily="18" charset="0"/>
+              </a:rPr>
+              <a:t>AI</a:t>
+            </a:r>
+            <a:r>
+              <a:rPr lang="zh-TW" altLang="en-US" sz="2000" dirty="0">
+                <a:solidFill>
+                  <a:srgbClr val="202122"/>
+                </a:solidFill>
                 <a:latin typeface="標楷體" panose="03000509000000000000" pitchFamily="65" charset="-120"/>
                 <a:ea typeface="標楷體" panose="03000509000000000000" pitchFamily="65" charset="-120"/>
               </a:rPr>
-              <a:t>AI</a:t>
-            </a:r>
-            <a:r>
-              <a:rPr lang="zh-TW" altLang="en-US" sz="2400" dirty="0">
+              <a:t>遊玩到</a:t>
+            </a:r>
+            <a:r>
+              <a:rPr lang="en-US" altLang="zh-TW" sz="2000" dirty="0">
                 <a:solidFill>
                   <a:srgbClr val="202122"/>
                 </a:solidFill>
-                <a:latin typeface="標楷體" panose="03000509000000000000" pitchFamily="65" charset="-120"/>
-                <a:ea typeface="標楷體" panose="03000509000000000000" pitchFamily="65" charset="-120"/>
-              </a:rPr>
-              <a:t>遊玩到</a:t>
-            </a:r>
-            <a:r>
-              <a:rPr lang="en-US" altLang="zh-TW" sz="2400" dirty="0">
+                <a:latin typeface="Times New Roman" panose="02020603050405020304" pitchFamily="18" charset="0"/>
+                <a:ea typeface="標楷體" panose="03000509000000000000" pitchFamily="65" charset="-120"/>
+                <a:cs typeface="Times New Roman" panose="02020603050405020304" pitchFamily="18" charset="0"/>
+              </a:rPr>
+              <a:t>Level</a:t>
+            </a:r>
+            <a:r>
+              <a:rPr lang="zh-TW" altLang="en-US" sz="2000" dirty="0">
                 <a:solidFill>
                   <a:srgbClr val="202122"/>
                 </a:solidFill>
-                <a:latin typeface="標楷體" panose="03000509000000000000" pitchFamily="65" charset="-120"/>
-                <a:ea typeface="標楷體" panose="03000509000000000000" pitchFamily="65" charset="-120"/>
-              </a:rPr>
-              <a:t>Level20</a:t>
-            </a:r>
+                <a:latin typeface="Times New Roman" panose="02020603050405020304" pitchFamily="18" charset="0"/>
+                <a:ea typeface="標楷體" panose="03000509000000000000" pitchFamily="65" charset="-120"/>
+                <a:cs typeface="Times New Roman" panose="02020603050405020304" pitchFamily="18" charset="0"/>
+              </a:rPr>
+              <a:t> </a:t>
+            </a:r>
+            <a:r>
+              <a:rPr lang="en-US" altLang="zh-TW" sz="2000" dirty="0">
+                <a:solidFill>
+                  <a:srgbClr val="202122"/>
+                </a:solidFill>
+                <a:latin typeface="Times New Roman" panose="02020603050405020304" pitchFamily="18" charset="0"/>
+                <a:ea typeface="標楷體" panose="03000509000000000000" pitchFamily="65" charset="-120"/>
+                <a:cs typeface="Times New Roman" panose="02020603050405020304" pitchFamily="18" charset="0"/>
+              </a:rPr>
+              <a:t>20</a:t>
+            </a:r>
+          </a:p>
+          <a:p>
+            <a:pPr marL="914400" lvl="1" indent="-457200">
+              <a:lnSpc>
+                <a:spcPct val="150000"/>
+              </a:lnSpc>
+              <a:buFont typeface="+mj-lt"/>
+              <a:buAutoNum type="arabicPeriod"/>
+            </a:pPr>
             <a:endParaRPr lang="en-US" altLang="zh-TW" sz="2400" i="0" dirty="0">
               <a:solidFill>
                 <a:srgbClr val="202122"/>
               </a:solidFill>
               <a:effectLst/>
-              <a:latin typeface="標楷體" panose="03000509000000000000" pitchFamily="65" charset="-120"/>
+              <a:latin typeface="Times New Roman" panose="02020603050405020304" pitchFamily="18" charset="0"/>
               <a:ea typeface="標楷體" panose="03000509000000000000" pitchFamily="65" charset="-120"/>
+              <a:cs typeface="Times New Roman" panose="02020603050405020304" pitchFamily="18" charset="0"/>
             </a:endParaRPr>
           </a:p>
         </p:txBody>
@@ -6312,6 +6339,51 @@
           </a:p>
         </p:txBody>
       </p:sp>
+      <p:pic>
+        <p:nvPicPr>
+          <p:cNvPr id="1026" name="Picture 2">
+            <a:extLst>
+              <a:ext uri="{FF2B5EF4-FFF2-40B4-BE49-F238E27FC236}">
+                <a16:creationId xmlns:a16="http://schemas.microsoft.com/office/drawing/2014/main" id="{FDBB9157-B4E2-D14A-6CAF-47DBE8644B92}"/>
+              </a:ext>
+            </a:extLst>
+          </p:cNvPr>
+          <p:cNvPicPr>
+            <a:picLocks noChangeAspect="1" noChangeArrowheads="1"/>
+          </p:cNvPicPr>
+          <p:nvPr/>
+        </p:nvPicPr>
+        <p:blipFill>
+          <a:blip r:embed="rId2">
+            <a:extLst>
+              <a:ext uri="{28A0092B-C50C-407E-A947-70E740481C1C}">
+                <a14:useLocalDpi xmlns:a14="http://schemas.microsoft.com/office/drawing/2010/main" val="0"/>
+              </a:ext>
+            </a:extLst>
+          </a:blip>
+          <a:srcRect/>
+          <a:stretch/>
+        </p:blipFill>
+        <p:spPr bwMode="auto">
+          <a:xfrm>
+            <a:off x="746760" y="1704984"/>
+            <a:ext cx="10607040" cy="4161651"/>
+          </a:xfrm>
+          <a:prstGeom prst="rect">
+            <a:avLst/>
+          </a:prstGeom>
+          <a:noFill/>
+          <a:extLst>
+            <a:ext uri="{909E8E84-426E-40DD-AFC4-6F175D3DCCD1}">
+              <a14:hiddenFill xmlns:a14="http://schemas.microsoft.com/office/drawing/2010/main">
+                <a:solidFill>
+                  <a:srgbClr val="FFFFFF"/>
+                </a:solidFill>
+              </a14:hiddenFill>
+            </a:ext>
+          </a:extLst>
+        </p:spPr>
+      </p:pic>
     </p:spTree>
     <p:extLst>
       <p:ext uri="{BB962C8B-B14F-4D97-AF65-F5344CB8AC3E}">
